--- a/SPL-Doc/SPL-1 Mid.pptx
+++ b/SPL-Doc/SPL-1 Mid.pptx
@@ -5,7 +5,7 @@
     <p:sldMasterId id="2147483663" r:id="rId1"/>
   </p:sldMasterIdLst>
   <p:notesMasterIdLst>
-    <p:notesMasterId r:id="rId19"/>
+    <p:notesMasterId r:id="rId20"/>
   </p:notesMasterIdLst>
   <p:sldIdLst>
     <p:sldId id="281" r:id="rId2"/>
@@ -18,35 +18,36 @@
     <p:sldId id="279" r:id="rId9"/>
     <p:sldId id="280" r:id="rId10"/>
     <p:sldId id="290" r:id="rId11"/>
-    <p:sldId id="291" r:id="rId12"/>
-    <p:sldId id="292" r:id="rId13"/>
-    <p:sldId id="293" r:id="rId14"/>
-    <p:sldId id="294" r:id="rId15"/>
-    <p:sldId id="295" r:id="rId16"/>
-    <p:sldId id="283" r:id="rId17"/>
-    <p:sldId id="284" r:id="rId18"/>
+    <p:sldId id="292" r:id="rId12"/>
+    <p:sldId id="293" r:id="rId13"/>
+    <p:sldId id="294" r:id="rId14"/>
+    <p:sldId id="295" r:id="rId15"/>
+    <p:sldId id="298" r:id="rId16"/>
+    <p:sldId id="297" r:id="rId17"/>
+    <p:sldId id="283" r:id="rId18"/>
+    <p:sldId id="284" r:id="rId19"/>
   </p:sldIdLst>
   <p:sldSz cx="9144000" cy="5143500" type="screen16x9"/>
   <p:notesSz cx="6858000" cy="9144000"/>
   <p:embeddedFontLst>
     <p:embeddedFont>
       <p:font typeface="Helvetica Neue" panose="020B0604020202020204" charset="0"/>
-      <p:regular r:id="rId20"/>
-      <p:bold r:id="rId21"/>
-      <p:italic r:id="rId22"/>
-      <p:boldItalic r:id="rId23"/>
+      <p:regular r:id="rId21"/>
+      <p:bold r:id="rId22"/>
+      <p:italic r:id="rId23"/>
+      <p:boldItalic r:id="rId24"/>
     </p:embeddedFont>
     <p:embeddedFont>
       <p:font typeface="Tahoma" panose="020B0604030504040204" pitchFamily="34" charset="0"/>
-      <p:regular r:id="rId24"/>
-      <p:bold r:id="rId25"/>
+      <p:regular r:id="rId25"/>
+      <p:bold r:id="rId26"/>
     </p:embeddedFont>
     <p:embeddedFont>
       <p:font typeface="Verdana" panose="020B0604030504040204" pitchFamily="34" charset="0"/>
-      <p:regular r:id="rId26"/>
-      <p:bold r:id="rId27"/>
-      <p:italic r:id="rId28"/>
-      <p:boldItalic r:id="rId29"/>
+      <p:regular r:id="rId27"/>
+      <p:bold r:id="rId28"/>
+      <p:italic r:id="rId29"/>
+      <p:boldItalic r:id="rId30"/>
     </p:embeddedFont>
   </p:embeddedFontLst>
   <p:defaultTextStyle>
@@ -1073,7 +1074,7 @@
     </p:spTree>
     <p:extLst>
       <p:ext uri="{BB962C8B-B14F-4D97-AF65-F5344CB8AC3E}">
-        <p14:creationId xmlns:p14="http://schemas.microsoft.com/office/powerpoint/2010/main" val="1161835988"/>
+        <p14:creationId xmlns:p14="http://schemas.microsoft.com/office/powerpoint/2010/main" val="2665443416"/>
       </p:ext>
     </p:extLst>
   </p:cSld>
@@ -1182,7 +1183,7 @@
     </p:spTree>
     <p:extLst>
       <p:ext uri="{BB962C8B-B14F-4D97-AF65-F5344CB8AC3E}">
-        <p14:creationId xmlns:p14="http://schemas.microsoft.com/office/powerpoint/2010/main" val="2665443416"/>
+        <p14:creationId xmlns:p14="http://schemas.microsoft.com/office/powerpoint/2010/main" val="1191062867"/>
       </p:ext>
     </p:extLst>
   </p:cSld>
@@ -1291,7 +1292,7 @@
     </p:spTree>
     <p:extLst>
       <p:ext uri="{BB962C8B-B14F-4D97-AF65-F5344CB8AC3E}">
-        <p14:creationId xmlns:p14="http://schemas.microsoft.com/office/powerpoint/2010/main" val="1191062867"/>
+        <p14:creationId xmlns:p14="http://schemas.microsoft.com/office/powerpoint/2010/main" val="3445788875"/>
       </p:ext>
     </p:extLst>
   </p:cSld>
@@ -1400,7 +1401,7 @@
     </p:spTree>
     <p:extLst>
       <p:ext uri="{BB962C8B-B14F-4D97-AF65-F5344CB8AC3E}">
-        <p14:creationId xmlns:p14="http://schemas.microsoft.com/office/powerpoint/2010/main" val="3445788875"/>
+        <p14:creationId xmlns:p14="http://schemas.microsoft.com/office/powerpoint/2010/main" val="753662189"/>
       </p:ext>
     </p:extLst>
   </p:cSld>
@@ -1509,7 +1510,7 @@
     </p:spTree>
     <p:extLst>
       <p:ext uri="{BB962C8B-B14F-4D97-AF65-F5344CB8AC3E}">
-        <p14:creationId xmlns:p14="http://schemas.microsoft.com/office/powerpoint/2010/main" val="753662189"/>
+        <p14:creationId xmlns:p14="http://schemas.microsoft.com/office/powerpoint/2010/main" val="3245192465"/>
       </p:ext>
     </p:extLst>
   </p:cSld>
@@ -1520,6 +1521,115 @@
 </file>
 
 <file path=ppt/notesSlides/notesSlide16.xml><?xml version="1.0" encoding="utf-8"?>
+<p:notes xmlns:a="http://schemas.openxmlformats.org/drawingml/2006/main" xmlns:r="http://schemas.openxmlformats.org/officeDocument/2006/relationships" xmlns:p="http://schemas.openxmlformats.org/presentationml/2006/main" showMasterSp="0" showMasterPhAnim="0">
+  <p:cSld>
+    <p:spTree>
+      <p:nvGrpSpPr>
+        <p:cNvPr id="1" name="Shape 116"/>
+        <p:cNvGrpSpPr/>
+        <p:nvPr/>
+      </p:nvGrpSpPr>
+      <p:grpSpPr>
+        <a:xfrm>
+          <a:off x="0" y="0"/>
+          <a:ext cx="0" cy="0"/>
+          <a:chOff x="0" y="0"/>
+          <a:chExt cx="0" cy="0"/>
+        </a:xfrm>
+      </p:grpSpPr>
+      <p:sp>
+        <p:nvSpPr>
+          <p:cNvPr id="117" name="Google Shape;117;g2429a99f062_0_112:notes"/>
+          <p:cNvSpPr>
+            <a:spLocks noGrp="1" noRot="1" noChangeAspect="1"/>
+          </p:cNvSpPr>
+          <p:nvPr>
+            <p:ph type="sldImg" idx="2"/>
+          </p:nvPr>
+        </p:nvSpPr>
+        <p:spPr>
+          <a:xfrm>
+            <a:off x="381000" y="685800"/>
+            <a:ext cx="6096000" cy="3429000"/>
+          </a:xfrm>
+          <a:custGeom>
+            <a:avLst/>
+            <a:gdLst/>
+            <a:ahLst/>
+            <a:cxnLst/>
+            <a:rect l="l" t="t" r="r" b="b"/>
+            <a:pathLst>
+              <a:path w="120000" h="120000" extrusionOk="0">
+                <a:moveTo>
+                  <a:pt x="0" y="0"/>
+                </a:moveTo>
+                <a:lnTo>
+                  <a:pt x="120000" y="0"/>
+                </a:lnTo>
+                <a:lnTo>
+                  <a:pt x="120000" y="120000"/>
+                </a:lnTo>
+                <a:lnTo>
+                  <a:pt x="0" y="120000"/>
+                </a:lnTo>
+                <a:close/>
+              </a:path>
+            </a:pathLst>
+          </a:custGeom>
+        </p:spPr>
+      </p:sp>
+      <p:sp>
+        <p:nvSpPr>
+          <p:cNvPr id="118" name="Google Shape;118;g2429a99f062_0_112:notes"/>
+          <p:cNvSpPr txBox="1">
+            <a:spLocks noGrp="1"/>
+          </p:cNvSpPr>
+          <p:nvPr>
+            <p:ph type="body" idx="1"/>
+          </p:nvPr>
+        </p:nvSpPr>
+        <p:spPr>
+          <a:xfrm>
+            <a:off x="685800" y="4343400"/>
+            <a:ext cx="5486400" cy="4114800"/>
+          </a:xfrm>
+          <a:prstGeom prst="rect">
+            <a:avLst/>
+          </a:prstGeom>
+        </p:spPr>
+        <p:txBody>
+          <a:bodyPr spcFirstLastPara="1" wrap="square" lIns="91425" tIns="91425" rIns="91425" bIns="91425" anchor="t" anchorCtr="0">
+            <a:noAutofit/>
+          </a:bodyPr>
+          <a:lstStyle/>
+          <a:p>
+            <a:pPr marL="0" lvl="0" indent="0" algn="l" rtl="0">
+              <a:spcBef>
+                <a:spcPts val="0"/>
+              </a:spcBef>
+              <a:spcAft>
+                <a:spcPts val="0"/>
+              </a:spcAft>
+              <a:buNone/>
+            </a:pPr>
+            <a:endParaRPr/>
+          </a:p>
+        </p:txBody>
+      </p:sp>
+    </p:spTree>
+    <p:extLst>
+      <p:ext uri="{BB962C8B-B14F-4D97-AF65-F5344CB8AC3E}">
+        <p14:creationId xmlns:p14="http://schemas.microsoft.com/office/powerpoint/2010/main" val="2737267304"/>
+      </p:ext>
+    </p:extLst>
+  </p:cSld>
+  <p:clrMapOvr>
+    <a:masterClrMapping/>
+  </p:clrMapOvr>
+</p:notes>
+</file>
+
+<file path=ppt/notesSlides/notesSlide17.xml><?xml version="1.0" encoding="utf-8"?>
 <p:notes xmlns:a="http://schemas.openxmlformats.org/drawingml/2006/main" xmlns:r="http://schemas.openxmlformats.org/officeDocument/2006/relationships" xmlns:p="http://schemas.openxmlformats.org/presentationml/2006/main" showMasterSp="0" showMasterPhAnim="0">
   <p:cSld>
     <p:spTree>
@@ -1646,7 +1756,7 @@
 </p:notes>
 </file>
 
-<file path=ppt/notesSlides/notesSlide17.xml><?xml version="1.0" encoding="utf-8"?>
+<file path=ppt/notesSlides/notesSlide18.xml><?xml version="1.0" encoding="utf-8"?>
 <p:notes xmlns:a="http://schemas.openxmlformats.org/drawingml/2006/main" xmlns:r="http://schemas.openxmlformats.org/officeDocument/2006/relationships" xmlns:p="http://schemas.openxmlformats.org/presentationml/2006/main" showMasterSp="0" showMasterPhAnim="0">
   <p:cSld>
     <p:spTree>
@@ -6381,7 +6491,7 @@
                 <a:cs typeface="Helvetica Neue"/>
                 <a:sym typeface="Helvetica Neue"/>
               </a:rPr>
-              <a:t>HUFFMAN COMPRESSION</a:t>
+              <a:t>HUFFMAN COMPRESSION AND</a:t>
             </a:r>
             <a:br>
               <a:rPr lang="en-US" sz="2200" dirty="0">
@@ -7108,8 +7218,8 @@
         </p:nvSpPr>
         <p:spPr>
           <a:xfrm>
-            <a:off x="3596143" y="1383089"/>
-            <a:ext cx="3161017" cy="2827800"/>
+            <a:off x="3485685" y="1383089"/>
+            <a:ext cx="3271476" cy="2827800"/>
           </a:xfrm>
           <a:prstGeom prst="rect">
             <a:avLst/>
@@ -7243,10 +7353,10 @@
       </p:sp>
       <p:pic>
         <p:nvPicPr>
-          <p:cNvPr id="4" name="Picture 3">
+          <p:cNvPr id="2" name="Picture 1">
             <a:extLst>
               <a:ext uri="{FF2B5EF4-FFF2-40B4-BE49-F238E27FC236}">
-                <a16:creationId xmlns:a16="http://schemas.microsoft.com/office/drawing/2014/main" id="{7CFCD73E-2CFF-4E44-B755-3DADF1C68254}"/>
+                <a16:creationId xmlns:a16="http://schemas.microsoft.com/office/drawing/2014/main" id="{1234E61A-11BB-4747-8481-781D68CBFA71}"/>
               </a:ext>
             </a:extLst>
           </p:cNvPr>
@@ -7263,8 +7373,8 @@
         </p:blipFill>
         <p:spPr>
           <a:xfrm>
-            <a:off x="3633516" y="1964896"/>
-            <a:ext cx="2746745" cy="1132631"/>
+            <a:off x="3574529" y="1820953"/>
+            <a:ext cx="2864720" cy="1680188"/>
           </a:xfrm>
           <a:prstGeom prst="rect">
             <a:avLst/>
@@ -7734,8 +7844,8 @@
         </p:nvSpPr>
         <p:spPr>
           <a:xfrm>
-            <a:off x="3596143" y="1383089"/>
-            <a:ext cx="3161017" cy="2827800"/>
+            <a:off x="3485685" y="1383089"/>
+            <a:ext cx="3271476" cy="2827800"/>
           </a:xfrm>
           <a:prstGeom prst="rect">
             <a:avLst/>
@@ -7762,7 +7872,7 @@
             </a:pPr>
             <a:r>
               <a:rPr lang="en-US" dirty="0"/>
-              <a:t>File Path : </a:t>
+              <a:t>Encryption : </a:t>
             </a:r>
           </a:p>
         </p:txBody>
@@ -7869,10 +7979,10 @@
       </p:sp>
       <p:pic>
         <p:nvPicPr>
-          <p:cNvPr id="7" name="Picture 6">
+          <p:cNvPr id="2" name="Picture 1">
             <a:extLst>
               <a:ext uri="{FF2B5EF4-FFF2-40B4-BE49-F238E27FC236}">
-                <a16:creationId xmlns:a16="http://schemas.microsoft.com/office/drawing/2014/main" id="{6F0BCF03-0A4C-49AD-88C1-0C8F683ABC52}"/>
+                <a16:creationId xmlns:a16="http://schemas.microsoft.com/office/drawing/2014/main" id="{D0ED90F7-8983-4DF6-BC0D-2D1990480D09}"/>
               </a:ext>
             </a:extLst>
           </p:cNvPr>
@@ -7889,8 +7999,8 @@
         </p:blipFill>
         <p:spPr>
           <a:xfrm>
-            <a:off x="3531475" y="1918758"/>
-            <a:ext cx="2950828" cy="1484578"/>
+            <a:off x="3564507" y="1967157"/>
+            <a:ext cx="2884763" cy="1387780"/>
           </a:xfrm>
           <a:prstGeom prst="rect">
             <a:avLst/>
@@ -7900,22 +8010,22 @@
     </p:spTree>
     <p:extLst>
       <p:ext uri="{BB962C8B-B14F-4D97-AF65-F5344CB8AC3E}">
-        <p14:creationId xmlns:p14="http://schemas.microsoft.com/office/powerpoint/2010/main" val="1656726190"/>
+        <p14:creationId xmlns:p14="http://schemas.microsoft.com/office/powerpoint/2010/main" val="1823485317"/>
       </p:ext>
     </p:extLst>
   </p:cSld>
   <p:clrMapOvr>
     <a:masterClrMapping/>
   </p:clrMapOvr>
-  <mc:AlternateContent xmlns:mc="http://schemas.openxmlformats.org/markup-compatibility/2006" xmlns:p159="http://schemas.microsoft.com/office/powerpoint/2015/09/main">
-    <mc:Choice Requires="p159">
-      <p:transition xmlns:p14="http://schemas.microsoft.com/office/powerpoint/2010/main" spd="slow" p14:dur="2000">
-        <p159:morph option="byObject"/>
+  <mc:AlternateContent xmlns:mc="http://schemas.openxmlformats.org/markup-compatibility/2006">
+    <mc:Choice xmlns:p14="http://schemas.microsoft.com/office/powerpoint/2010/main" Requires="p14">
+      <p:transition p14:dur="100">
+        <p:cut/>
       </p:transition>
     </mc:Choice>
-    <mc:Fallback xmlns="">
-      <p:transition spd="slow">
-        <p:fade/>
+    <mc:Fallback>
+      <p:transition>
+        <p:cut/>
       </p:transition>
     </mc:Fallback>
   </mc:AlternateContent>
@@ -8360,8 +8470,8 @@
         </p:nvSpPr>
         <p:spPr>
           <a:xfrm>
-            <a:off x="3596143" y="1383089"/>
-            <a:ext cx="3161017" cy="2827800"/>
+            <a:off x="3485684" y="1383089"/>
+            <a:ext cx="3271477" cy="2827800"/>
           </a:xfrm>
           <a:prstGeom prst="rect">
             <a:avLst/>
@@ -8495,10 +8605,10 @@
       </p:sp>
       <p:pic>
         <p:nvPicPr>
-          <p:cNvPr id="3" name="Picture 2">
+          <p:cNvPr id="2" name="Picture 1">
             <a:extLst>
               <a:ext uri="{FF2B5EF4-FFF2-40B4-BE49-F238E27FC236}">
-                <a16:creationId xmlns:a16="http://schemas.microsoft.com/office/drawing/2014/main" id="{D2FA896D-F5AE-4326-B390-EB2FEBE1C149}"/>
+                <a16:creationId xmlns:a16="http://schemas.microsoft.com/office/drawing/2014/main" id="{56DB4359-0283-4E43-88B3-2713FC421D07}"/>
               </a:ext>
             </a:extLst>
           </p:cNvPr>
@@ -8515,8 +8625,8 @@
         </p:blipFill>
         <p:spPr>
           <a:xfrm>
-            <a:off x="4906517" y="1480528"/>
-            <a:ext cx="1476697" cy="2436550"/>
+            <a:off x="3596143" y="2026272"/>
+            <a:ext cx="2790107" cy="1090955"/>
           </a:xfrm>
           <a:prstGeom prst="rect">
             <a:avLst/>
@@ -8526,22 +8636,22 @@
     </p:spTree>
     <p:extLst>
       <p:ext uri="{BB962C8B-B14F-4D97-AF65-F5344CB8AC3E}">
-        <p14:creationId xmlns:p14="http://schemas.microsoft.com/office/powerpoint/2010/main" val="1823485317"/>
+        <p14:creationId xmlns:p14="http://schemas.microsoft.com/office/powerpoint/2010/main" val="2934731881"/>
       </p:ext>
     </p:extLst>
   </p:cSld>
   <p:clrMapOvr>
     <a:masterClrMapping/>
   </p:clrMapOvr>
-  <mc:AlternateContent xmlns:mc="http://schemas.openxmlformats.org/markup-compatibility/2006" xmlns:p159="http://schemas.microsoft.com/office/powerpoint/2015/09/main">
-    <mc:Choice Requires="p159">
-      <p:transition xmlns:p14="http://schemas.microsoft.com/office/powerpoint/2010/main" spd="slow" p14:dur="2000">
-        <p159:morph option="byObject"/>
+  <mc:AlternateContent xmlns:mc="http://schemas.openxmlformats.org/markup-compatibility/2006">
+    <mc:Choice xmlns:p14="http://schemas.microsoft.com/office/powerpoint/2010/main" Requires="p14">
+      <p:transition p14:dur="100">
+        <p:cut/>
       </p:transition>
     </mc:Choice>
-    <mc:Fallback xmlns="">
-      <p:transition spd="slow">
-        <p:fade/>
+    <mc:Fallback>
+      <p:transition>
+        <p:cut/>
       </p:transition>
     </mc:Fallback>
   </mc:AlternateContent>
@@ -8986,8 +9096,8 @@
         </p:nvSpPr>
         <p:spPr>
           <a:xfrm>
-            <a:off x="3596143" y="1383089"/>
-            <a:ext cx="3161017" cy="2827800"/>
+            <a:off x="3485685" y="1383089"/>
+            <a:ext cx="3271476" cy="2827800"/>
           </a:xfrm>
           <a:prstGeom prst="rect">
             <a:avLst/>
@@ -9014,7 +9124,7 @@
             </a:pPr>
             <a:r>
               <a:rPr lang="en-US" dirty="0"/>
-              <a:t>Encryption : </a:t>
+              <a:t>Decryption : </a:t>
             </a:r>
           </a:p>
         </p:txBody>
@@ -9124,7 +9234,7 @@
           <p:cNvPr id="2" name="Picture 1">
             <a:extLst>
               <a:ext uri="{FF2B5EF4-FFF2-40B4-BE49-F238E27FC236}">
-                <a16:creationId xmlns:a16="http://schemas.microsoft.com/office/drawing/2014/main" id="{56DB4359-0283-4E43-88B3-2713FC421D07}"/>
+                <a16:creationId xmlns:a16="http://schemas.microsoft.com/office/drawing/2014/main" id="{B157E26B-F443-42E6-9960-13B19984AE48}"/>
               </a:ext>
             </a:extLst>
           </p:cNvPr>
@@ -9141,8 +9251,8 @@
         </p:blipFill>
         <p:spPr>
           <a:xfrm>
-            <a:off x="3596143" y="2026272"/>
-            <a:ext cx="2790107" cy="1090955"/>
+            <a:off x="3577358" y="1979681"/>
+            <a:ext cx="2859062" cy="1362731"/>
           </a:xfrm>
           <a:prstGeom prst="rect">
             <a:avLst/>
@@ -9152,22 +9262,22 @@
     </p:spTree>
     <p:extLst>
       <p:ext uri="{BB962C8B-B14F-4D97-AF65-F5344CB8AC3E}">
-        <p14:creationId xmlns:p14="http://schemas.microsoft.com/office/powerpoint/2010/main" val="2934731881"/>
+        <p14:creationId xmlns:p14="http://schemas.microsoft.com/office/powerpoint/2010/main" val="2653212391"/>
       </p:ext>
     </p:extLst>
   </p:cSld>
   <p:clrMapOvr>
     <a:masterClrMapping/>
   </p:clrMapOvr>
-  <mc:AlternateContent xmlns:mc="http://schemas.openxmlformats.org/markup-compatibility/2006" xmlns:p159="http://schemas.microsoft.com/office/powerpoint/2015/09/main">
-    <mc:Choice Requires="p159">
-      <p:transition xmlns:p14="http://schemas.microsoft.com/office/powerpoint/2010/main" spd="slow" p14:dur="2000">
-        <p159:morph option="byObject"/>
+  <mc:AlternateContent xmlns:mc="http://schemas.openxmlformats.org/markup-compatibility/2006">
+    <mc:Choice xmlns:p14="http://schemas.microsoft.com/office/powerpoint/2010/main" Requires="p14">
+      <p:transition p14:dur="100">
+        <p:cut/>
       </p:transition>
     </mc:Choice>
-    <mc:Fallback xmlns="">
-      <p:transition spd="slow">
-        <p:fade/>
+    <mc:Fallback>
+      <p:transition>
+        <p:cut/>
       </p:transition>
     </mc:Fallback>
   </mc:AlternateContent>
@@ -9612,8 +9722,8 @@
         </p:nvSpPr>
         <p:spPr>
           <a:xfrm>
-            <a:off x="3596143" y="1383089"/>
-            <a:ext cx="3161017" cy="2827800"/>
+            <a:off x="3541487" y="1383089"/>
+            <a:ext cx="3215674" cy="2827800"/>
           </a:xfrm>
           <a:prstGeom prst="rect">
             <a:avLst/>
@@ -9747,10 +9857,10 @@
       </p:sp>
       <p:pic>
         <p:nvPicPr>
-          <p:cNvPr id="3" name="Picture 2">
+          <p:cNvPr id="2" name="Picture 1">
             <a:extLst>
               <a:ext uri="{FF2B5EF4-FFF2-40B4-BE49-F238E27FC236}">
-                <a16:creationId xmlns:a16="http://schemas.microsoft.com/office/drawing/2014/main" id="{C79F9B9B-700C-418F-BD05-1F32A861A361}"/>
+                <a16:creationId xmlns:a16="http://schemas.microsoft.com/office/drawing/2014/main" id="{4D8B18EA-60AD-4D2D-BE4D-7F0BD20D2A37}"/>
               </a:ext>
             </a:extLst>
           </p:cNvPr>
@@ -9767,8 +9877,8 @@
         </p:blipFill>
         <p:spPr>
           <a:xfrm>
-            <a:off x="4755751" y="1383088"/>
-            <a:ext cx="1723650" cy="2533989"/>
+            <a:off x="3604687" y="2045395"/>
+            <a:ext cx="2804403" cy="971634"/>
           </a:xfrm>
           <a:prstGeom prst="rect">
             <a:avLst/>
@@ -9778,22 +9888,22 @@
     </p:spTree>
     <p:extLst>
       <p:ext uri="{BB962C8B-B14F-4D97-AF65-F5344CB8AC3E}">
-        <p14:creationId xmlns:p14="http://schemas.microsoft.com/office/powerpoint/2010/main" val="2653212391"/>
+        <p14:creationId xmlns:p14="http://schemas.microsoft.com/office/powerpoint/2010/main" val="2903860940"/>
       </p:ext>
     </p:extLst>
   </p:cSld>
   <p:clrMapOvr>
     <a:masterClrMapping/>
   </p:clrMapOvr>
-  <mc:AlternateContent xmlns:mc="http://schemas.openxmlformats.org/markup-compatibility/2006" xmlns:p159="http://schemas.microsoft.com/office/powerpoint/2015/09/main">
-    <mc:Choice Requires="p159">
-      <p:transition xmlns:p14="http://schemas.microsoft.com/office/powerpoint/2010/main" spd="slow" p14:dur="2000">
-        <p159:morph option="byObject"/>
+  <mc:AlternateContent xmlns:mc="http://schemas.openxmlformats.org/markup-compatibility/2006">
+    <mc:Choice xmlns:p14="http://schemas.microsoft.com/office/powerpoint/2010/main" Requires="p14">
+      <p:transition p14:dur="100">
+        <p:cut/>
       </p:transition>
     </mc:Choice>
-    <mc:Fallback xmlns="">
-      <p:transition spd="slow">
-        <p:fade/>
+    <mc:Fallback>
+      <p:transition>
+        <p:cut/>
       </p:transition>
     </mc:Fallback>
   </mc:AlternateContent>
@@ -10238,8 +10348,8 @@
         </p:nvSpPr>
         <p:spPr>
           <a:xfrm>
-            <a:off x="3596143" y="1383089"/>
-            <a:ext cx="3161017" cy="2827800"/>
+            <a:off x="3432629" y="1383089"/>
+            <a:ext cx="3324531" cy="2827800"/>
           </a:xfrm>
           <a:prstGeom prst="rect">
             <a:avLst/>
@@ -10266,7 +10376,7 @@
             </a:pPr>
             <a:r>
               <a:rPr lang="en-US" dirty="0"/>
-              <a:t>Decryption : </a:t>
+              <a:t>Compression:</a:t>
             </a:r>
           </a:p>
         </p:txBody>
@@ -10333,8 +10443,8 @@
         </p:nvSpPr>
         <p:spPr>
           <a:xfrm>
-            <a:off x="3485684" y="1278731"/>
-            <a:ext cx="3042410" cy="2764632"/>
+            <a:off x="3367077" y="1278731"/>
+            <a:ext cx="3258694" cy="2988470"/>
           </a:xfrm>
           <a:prstGeom prst="rect">
             <a:avLst/>
@@ -10373,10 +10483,10 @@
       </p:sp>
       <p:pic>
         <p:nvPicPr>
-          <p:cNvPr id="2" name="Picture 1">
+          <p:cNvPr id="9" name="Picture 8">
             <a:extLst>
               <a:ext uri="{FF2B5EF4-FFF2-40B4-BE49-F238E27FC236}">
-                <a16:creationId xmlns:a16="http://schemas.microsoft.com/office/drawing/2014/main" id="{4D8B18EA-60AD-4D2D-BE4D-7F0BD20D2A37}"/>
+                <a16:creationId xmlns:a16="http://schemas.microsoft.com/office/drawing/2014/main" id="{5791A2E4-E284-49A1-9DA6-6F77355CFE91}"/>
               </a:ext>
             </a:extLst>
           </p:cNvPr>
@@ -10393,8 +10503,38 @@
         </p:blipFill>
         <p:spPr>
           <a:xfrm>
-            <a:off x="3604687" y="2045395"/>
-            <a:ext cx="2804403" cy="971634"/>
+            <a:off x="3485684" y="1752876"/>
+            <a:ext cx="3053982" cy="1389467"/>
+          </a:xfrm>
+          <a:prstGeom prst="rect">
+            <a:avLst/>
+          </a:prstGeom>
+        </p:spPr>
+      </p:pic>
+      <p:pic>
+        <p:nvPicPr>
+          <p:cNvPr id="10" name="Picture 9">
+            <a:extLst>
+              <a:ext uri="{FF2B5EF4-FFF2-40B4-BE49-F238E27FC236}">
+                <a16:creationId xmlns:a16="http://schemas.microsoft.com/office/drawing/2014/main" id="{284F9756-9B11-46CD-AC5B-B17373231910}"/>
+              </a:ext>
+            </a:extLst>
+          </p:cNvPr>
+          <p:cNvPicPr>
+            <a:picLocks noChangeAspect="1"/>
+          </p:cNvPicPr>
+          <p:nvPr/>
+        </p:nvPicPr>
+        <p:blipFill>
+          <a:blip r:embed="rId5"/>
+          <a:stretch>
+            <a:fillRect/>
+          </a:stretch>
+        </p:blipFill>
+        <p:spPr>
+          <a:xfrm>
+            <a:off x="3559364" y="3253367"/>
+            <a:ext cx="2895049" cy="730804"/>
           </a:xfrm>
           <a:prstGeom prst="rect">
             <a:avLst/>
@@ -10404,7 +10544,7 @@
     </p:spTree>
     <p:extLst>
       <p:ext uri="{BB962C8B-B14F-4D97-AF65-F5344CB8AC3E}">
-        <p14:creationId xmlns:p14="http://schemas.microsoft.com/office/powerpoint/2010/main" val="2903860940"/>
+        <p14:creationId xmlns:p14="http://schemas.microsoft.com/office/powerpoint/2010/main" val="571866211"/>
       </p:ext>
     </p:extLst>
   </p:cSld>
@@ -10412,14 +10552,14 @@
     <a:masterClrMapping/>
   </p:clrMapOvr>
   <mc:AlternateContent xmlns:mc="http://schemas.openxmlformats.org/markup-compatibility/2006">
-    <mc:Choice xmlns:p159="http://schemas.microsoft.com/office/powerpoint/2015/09/main" Requires="p159">
-      <p:transition xmlns:p14="http://schemas.microsoft.com/office/powerpoint/2010/main" spd="slow" p14:dur="2000">
-        <p159:morph option="byObject"/>
+    <mc:Choice xmlns:p14="http://schemas.microsoft.com/office/powerpoint/2010/main" Requires="p14">
+      <p:transition p14:dur="100">
+        <p:cut/>
       </p:transition>
     </mc:Choice>
     <mc:Fallback>
-      <p:transition spd="slow">
-        <p:fade/>
+      <p:transition>
+        <p:cut/>
       </p:transition>
     </mc:Fallback>
   </mc:AlternateContent>
@@ -10427,6 +10567,662 @@
 </file>
 
 <file path=ppt/slides/slide16.xml><?xml version="1.0" encoding="utf-8"?>
+<p:sld xmlns:a="http://schemas.openxmlformats.org/drawingml/2006/main" xmlns:r="http://schemas.openxmlformats.org/officeDocument/2006/relationships" xmlns:p="http://schemas.openxmlformats.org/presentationml/2006/main">
+  <p:cSld>
+    <p:bg>
+      <p:bgPr>
+        <a:blipFill>
+          <a:blip r:embed="rId3">
+            <a:alphaModFix/>
+          </a:blip>
+          <a:stretch>
+            <a:fillRect/>
+          </a:stretch>
+        </a:blipFill>
+        <a:effectLst/>
+      </p:bgPr>
+    </p:bg>
+    <p:spTree>
+      <p:nvGrpSpPr>
+        <p:cNvPr id="1" name="Shape 119"/>
+        <p:cNvGrpSpPr/>
+        <p:nvPr/>
+      </p:nvGrpSpPr>
+      <p:grpSpPr>
+        <a:xfrm>
+          <a:off x="0" y="0"/>
+          <a:ext cx="0" cy="0"/>
+          <a:chOff x="0" y="0"/>
+          <a:chExt cx="0" cy="0"/>
+        </a:xfrm>
+      </p:grpSpPr>
+      <p:sp>
+        <p:nvSpPr>
+          <p:cNvPr id="120" name="Google Shape;120;p18"/>
+          <p:cNvSpPr/>
+          <p:nvPr/>
+        </p:nvSpPr>
+        <p:spPr>
+          <a:xfrm>
+            <a:off x="643589" y="3671678"/>
+            <a:ext cx="1858096" cy="245400"/>
+          </a:xfrm>
+          <a:prstGeom prst="roundRect">
+            <a:avLst>
+              <a:gd name="adj" fmla="val 50000"/>
+            </a:avLst>
+          </a:prstGeom>
+          <a:solidFill>
+            <a:srgbClr val="2E3E4D"/>
+          </a:solidFill>
+          <a:ln w="9525" cap="flat" cmpd="sng">
+            <a:solidFill>
+              <a:schemeClr val="dk1"/>
+            </a:solidFill>
+            <a:prstDash val="solid"/>
+            <a:round/>
+            <a:headEnd type="none" w="sm" len="sm"/>
+            <a:tailEnd type="none" w="sm" len="sm"/>
+          </a:ln>
+        </p:spPr>
+        <p:txBody>
+          <a:bodyPr spcFirstLastPara="1" wrap="square" lIns="91425" tIns="91425" rIns="91425" bIns="91425" anchor="ctr" anchorCtr="0">
+            <a:noAutofit/>
+          </a:bodyPr>
+          <a:lstStyle/>
+          <a:p>
+            <a:pPr marL="0" lvl="0" indent="0" algn="ctr" rtl="0">
+              <a:spcBef>
+                <a:spcPts val="0"/>
+              </a:spcBef>
+              <a:spcAft>
+                <a:spcPts val="0"/>
+              </a:spcAft>
+              <a:buNone/>
+            </a:pPr>
+            <a:endParaRPr/>
+          </a:p>
+        </p:txBody>
+      </p:sp>
+      <p:sp>
+        <p:nvSpPr>
+          <p:cNvPr id="121" name="Google Shape;121;p18"/>
+          <p:cNvSpPr txBox="1"/>
+          <p:nvPr/>
+        </p:nvSpPr>
+        <p:spPr>
+          <a:xfrm>
+            <a:off x="1834687" y="404329"/>
+            <a:ext cx="5003138" cy="459000"/>
+          </a:xfrm>
+          <a:prstGeom prst="rect">
+            <a:avLst/>
+          </a:prstGeom>
+          <a:noFill/>
+          <a:ln>
+            <a:noFill/>
+          </a:ln>
+        </p:spPr>
+        <p:txBody>
+          <a:bodyPr spcFirstLastPara="1" wrap="square" lIns="91425" tIns="91425" rIns="91425" bIns="91425" anchor="t" anchorCtr="0">
+            <a:noAutofit/>
+          </a:bodyPr>
+          <a:lstStyle/>
+          <a:p>
+            <a:pPr lvl="0" algn="ctr"/>
+            <a:r>
+              <a:rPr lang="en-GB" sz="2400" b="1" dirty="0">
+                <a:latin typeface="Verdana" panose="020B0604030504040204" pitchFamily="34" charset="0"/>
+                <a:ea typeface="Verdana" panose="020B0604030504040204" pitchFamily="34" charset="0"/>
+                <a:cs typeface="Tahoma" panose="020B0604030504040204" pitchFamily="34" charset="0"/>
+                <a:sym typeface="Helvetica Neue"/>
+              </a:rPr>
+              <a:t>USER INTERFACE</a:t>
+            </a:r>
+          </a:p>
+        </p:txBody>
+      </p:sp>
+      <p:sp>
+        <p:nvSpPr>
+          <p:cNvPr id="122" name="Google Shape;122;p18"/>
+          <p:cNvSpPr txBox="1"/>
+          <p:nvPr/>
+        </p:nvSpPr>
+        <p:spPr>
+          <a:xfrm>
+            <a:off x="256918" y="1606049"/>
+            <a:ext cx="2337000" cy="2604839"/>
+          </a:xfrm>
+          <a:prstGeom prst="rect">
+            <a:avLst/>
+          </a:prstGeom>
+          <a:noFill/>
+          <a:ln>
+            <a:noFill/>
+          </a:ln>
+        </p:spPr>
+        <p:txBody>
+          <a:bodyPr spcFirstLastPara="1" wrap="square" lIns="91425" tIns="91425" rIns="91425" bIns="91425" anchor="t" anchorCtr="0">
+            <a:noAutofit/>
+          </a:bodyPr>
+          <a:lstStyle/>
+          <a:p>
+            <a:pPr marL="0" lvl="0" indent="0" algn="l" rtl="0">
+              <a:spcBef>
+                <a:spcPts val="0"/>
+              </a:spcBef>
+              <a:spcAft>
+                <a:spcPts val="0"/>
+              </a:spcAft>
+              <a:buNone/>
+            </a:pPr>
+            <a:r>
+              <a:rPr lang="en-GB" sz="1100" dirty="0">
+                <a:solidFill>
+                  <a:schemeClr val="bg1"/>
+                </a:solidFill>
+              </a:rPr>
+              <a:t>∎</a:t>
+            </a:r>
+            <a:r>
+              <a:rPr lang="en-GB" sz="1100" dirty="0">
+                <a:solidFill>
+                  <a:schemeClr val="tx1"/>
+                </a:solidFill>
+              </a:rPr>
+              <a:t>      </a:t>
+            </a:r>
+            <a:r>
+              <a:rPr lang="en-GB" sz="1100" dirty="0">
+                <a:solidFill>
+                  <a:schemeClr val="bg1"/>
+                </a:solidFill>
+              </a:rPr>
+              <a:t>  AES - 256 File Encryption</a:t>
+            </a:r>
+            <a:endParaRPr sz="1100" dirty="0">
+              <a:solidFill>
+                <a:schemeClr val="bg1"/>
+              </a:solidFill>
+            </a:endParaRPr>
+          </a:p>
+          <a:p>
+            <a:pPr marL="0" lvl="0" indent="0" algn="l" rtl="0">
+              <a:spcBef>
+                <a:spcPts val="0"/>
+              </a:spcBef>
+              <a:spcAft>
+                <a:spcPts val="0"/>
+              </a:spcAft>
+              <a:buNone/>
+            </a:pPr>
+            <a:endParaRPr sz="1100" dirty="0">
+              <a:solidFill>
+                <a:srgbClr val="FF0000"/>
+              </a:solidFill>
+            </a:endParaRPr>
+          </a:p>
+          <a:p>
+            <a:pPr marL="0" lvl="0" indent="0" algn="l" rtl="0">
+              <a:spcBef>
+                <a:spcPts val="0"/>
+              </a:spcBef>
+              <a:spcAft>
+                <a:spcPts val="0"/>
+              </a:spcAft>
+              <a:buNone/>
+            </a:pPr>
+            <a:endParaRPr sz="1100" dirty="0">
+              <a:solidFill>
+                <a:srgbClr val="FF0000"/>
+              </a:solidFill>
+            </a:endParaRPr>
+          </a:p>
+          <a:p>
+            <a:pPr marL="0" lvl="0" indent="0" algn="l" rtl="0">
+              <a:spcBef>
+                <a:spcPts val="0"/>
+              </a:spcBef>
+              <a:spcAft>
+                <a:spcPts val="0"/>
+              </a:spcAft>
+              <a:buNone/>
+            </a:pPr>
+            <a:r>
+              <a:rPr lang="en-GB" sz="1100" dirty="0">
+                <a:solidFill>
+                  <a:schemeClr val="bg1"/>
+                </a:solidFill>
+              </a:rPr>
+              <a:t>∎        AES - 256 File Decryption </a:t>
+            </a:r>
+            <a:endParaRPr sz="1100" dirty="0">
+              <a:solidFill>
+                <a:schemeClr val="bg1"/>
+              </a:solidFill>
+            </a:endParaRPr>
+          </a:p>
+          <a:p>
+            <a:pPr marL="0" lvl="0" indent="0" algn="l" rtl="0">
+              <a:spcBef>
+                <a:spcPts val="0"/>
+              </a:spcBef>
+              <a:spcAft>
+                <a:spcPts val="0"/>
+              </a:spcAft>
+              <a:buNone/>
+            </a:pPr>
+            <a:endParaRPr sz="1100" dirty="0">
+              <a:solidFill>
+                <a:schemeClr val="bg1"/>
+              </a:solidFill>
+            </a:endParaRPr>
+          </a:p>
+          <a:p>
+            <a:pPr marL="0" lvl="0" indent="0" algn="l" rtl="0">
+              <a:spcBef>
+                <a:spcPts val="0"/>
+              </a:spcBef>
+              <a:spcAft>
+                <a:spcPts val="0"/>
+              </a:spcAft>
+              <a:buNone/>
+            </a:pPr>
+            <a:endParaRPr sz="1100" dirty="0">
+              <a:solidFill>
+                <a:schemeClr val="bg1"/>
+              </a:solidFill>
+            </a:endParaRPr>
+          </a:p>
+          <a:p>
+            <a:pPr marL="0" lvl="0" indent="0" algn="l" rtl="0">
+              <a:spcBef>
+                <a:spcPts val="0"/>
+              </a:spcBef>
+              <a:spcAft>
+                <a:spcPts val="0"/>
+              </a:spcAft>
+              <a:buNone/>
+            </a:pPr>
+            <a:r>
+              <a:rPr lang="en-GB" sz="1100" dirty="0">
+                <a:solidFill>
+                  <a:schemeClr val="bg1"/>
+                </a:solidFill>
+              </a:rPr>
+              <a:t>∎        Huffman Compression</a:t>
+            </a:r>
+            <a:endParaRPr sz="1100" dirty="0">
+              <a:solidFill>
+                <a:schemeClr val="bg1"/>
+              </a:solidFill>
+            </a:endParaRPr>
+          </a:p>
+          <a:p>
+            <a:pPr marL="0" lvl="0" indent="0" algn="l" rtl="0">
+              <a:spcBef>
+                <a:spcPts val="0"/>
+              </a:spcBef>
+              <a:spcAft>
+                <a:spcPts val="0"/>
+              </a:spcAft>
+              <a:buNone/>
+            </a:pPr>
+            <a:endParaRPr sz="1100" dirty="0">
+              <a:solidFill>
+                <a:schemeClr val="bg1"/>
+              </a:solidFill>
+            </a:endParaRPr>
+          </a:p>
+          <a:p>
+            <a:pPr marL="0" lvl="0" indent="0" algn="l" rtl="0">
+              <a:spcBef>
+                <a:spcPts val="0"/>
+              </a:spcBef>
+              <a:spcAft>
+                <a:spcPts val="0"/>
+              </a:spcAft>
+              <a:buNone/>
+            </a:pPr>
+            <a:endParaRPr sz="1100" dirty="0">
+              <a:solidFill>
+                <a:schemeClr val="bg1"/>
+              </a:solidFill>
+            </a:endParaRPr>
+          </a:p>
+          <a:p>
+            <a:pPr marL="0" lvl="0" indent="0" algn="l" rtl="0">
+              <a:spcBef>
+                <a:spcPts val="0"/>
+              </a:spcBef>
+              <a:spcAft>
+                <a:spcPts val="0"/>
+              </a:spcAft>
+              <a:buNone/>
+            </a:pPr>
+            <a:r>
+              <a:rPr lang="en-GB" sz="1100" dirty="0">
+                <a:solidFill>
+                  <a:schemeClr val="bg1"/>
+                </a:solidFill>
+              </a:rPr>
+              <a:t>∎        </a:t>
+            </a:r>
+            <a:r>
+              <a:rPr lang="en-GB" sz="1100" dirty="0">
+                <a:solidFill>
+                  <a:schemeClr val="bg2"/>
+                </a:solidFill>
+              </a:rPr>
+              <a:t>Huffman Decompression</a:t>
+            </a:r>
+          </a:p>
+          <a:p>
+            <a:pPr marL="0" lvl="0" indent="0" algn="l" rtl="0">
+              <a:spcBef>
+                <a:spcPts val="0"/>
+              </a:spcBef>
+              <a:spcAft>
+                <a:spcPts val="0"/>
+              </a:spcAft>
+              <a:buNone/>
+            </a:pPr>
+            <a:endParaRPr lang="en-GB" sz="1100" dirty="0">
+              <a:solidFill>
+                <a:schemeClr val="bg2"/>
+              </a:solidFill>
+            </a:endParaRPr>
+          </a:p>
+          <a:p>
+            <a:pPr marL="0" lvl="0" indent="0" algn="l" rtl="0">
+              <a:spcBef>
+                <a:spcPts val="0"/>
+              </a:spcBef>
+              <a:spcAft>
+                <a:spcPts val="0"/>
+              </a:spcAft>
+              <a:buNone/>
+            </a:pPr>
+            <a:endParaRPr lang="en-GB" sz="1100" dirty="0">
+              <a:solidFill>
+                <a:schemeClr val="tx1"/>
+              </a:solidFill>
+            </a:endParaRPr>
+          </a:p>
+          <a:p>
+            <a:r>
+              <a:rPr lang="en-GB" sz="1100" dirty="0">
+                <a:latin typeface="Verdana" panose="020B0604030504040204" pitchFamily="34" charset="0"/>
+                <a:ea typeface="Verdana" panose="020B0604030504040204" pitchFamily="34" charset="0"/>
+              </a:rPr>
+              <a:t>∎      </a:t>
+            </a:r>
+            <a:r>
+              <a:rPr lang="en-GB" sz="1100" dirty="0">
+                <a:solidFill>
+                  <a:schemeClr val="tx1"/>
+                </a:solidFill>
+                <a:ea typeface="Verdana" panose="020B0604030504040204" pitchFamily="34" charset="0"/>
+              </a:rPr>
+              <a:t>User Interface</a:t>
+            </a:r>
+            <a:endParaRPr lang="en-GB" sz="1100" dirty="0">
+              <a:solidFill>
+                <a:schemeClr val="tx1"/>
+              </a:solidFill>
+            </a:endParaRPr>
+          </a:p>
+          <a:p>
+            <a:pPr marL="0" lvl="0" indent="0" algn="l" rtl="0">
+              <a:spcBef>
+                <a:spcPts val="0"/>
+              </a:spcBef>
+              <a:spcAft>
+                <a:spcPts val="0"/>
+              </a:spcAft>
+              <a:buNone/>
+            </a:pPr>
+            <a:endParaRPr sz="1100" dirty="0">
+              <a:solidFill>
+                <a:schemeClr val="tx1"/>
+              </a:solidFill>
+            </a:endParaRPr>
+          </a:p>
+        </p:txBody>
+      </p:sp>
+      <p:sp>
+        <p:nvSpPr>
+          <p:cNvPr id="5" name="Google Shape;123;p18">
+            <a:extLst>
+              <a:ext uri="{FF2B5EF4-FFF2-40B4-BE49-F238E27FC236}">
+                <a16:creationId xmlns:a16="http://schemas.microsoft.com/office/drawing/2014/main" id="{82792166-AD0D-47D7-8640-CB12DBE85BD7}"/>
+              </a:ext>
+            </a:extLst>
+          </p:cNvPr>
+          <p:cNvSpPr txBox="1"/>
+          <p:nvPr/>
+        </p:nvSpPr>
+        <p:spPr>
+          <a:xfrm>
+            <a:off x="3390797" y="1383089"/>
+            <a:ext cx="3366363" cy="2827800"/>
+          </a:xfrm>
+          <a:prstGeom prst="rect">
+            <a:avLst/>
+          </a:prstGeom>
+          <a:noFill/>
+          <a:ln>
+            <a:noFill/>
+          </a:ln>
+        </p:spPr>
+        <p:txBody>
+          <a:bodyPr spcFirstLastPara="1" wrap="square" lIns="91425" tIns="91425" rIns="91425" bIns="91425" anchor="t" anchorCtr="0">
+            <a:noAutofit/>
+          </a:bodyPr>
+          <a:lstStyle/>
+          <a:p>
+            <a:pPr marL="0" lvl="0" indent="0" algn="l" rtl="0">
+              <a:spcBef>
+                <a:spcPts val="0"/>
+              </a:spcBef>
+              <a:spcAft>
+                <a:spcPts val="0"/>
+              </a:spcAft>
+              <a:buNone/>
+            </a:pPr>
+            <a:r>
+              <a:rPr lang="en-US" dirty="0"/>
+              <a:t>Decompression:</a:t>
+            </a:r>
+          </a:p>
+        </p:txBody>
+      </p:sp>
+      <p:sp>
+        <p:nvSpPr>
+          <p:cNvPr id="6" name="Rectangle 5">
+            <a:extLst>
+              <a:ext uri="{FF2B5EF4-FFF2-40B4-BE49-F238E27FC236}">
+                <a16:creationId xmlns:a16="http://schemas.microsoft.com/office/drawing/2014/main" id="{F660A199-0C43-45A9-A3C9-4A7D726FDB22}"/>
+              </a:ext>
+            </a:extLst>
+          </p:cNvPr>
+          <p:cNvSpPr/>
+          <p:nvPr/>
+        </p:nvSpPr>
+        <p:spPr>
+          <a:xfrm rot="5400000">
+            <a:off x="2235993" y="2482992"/>
+            <a:ext cx="1718074" cy="96440"/>
+          </a:xfrm>
+          <a:prstGeom prst="rect">
+            <a:avLst/>
+          </a:prstGeom>
+          <a:solidFill>
+            <a:srgbClr val="26303C"/>
+          </a:solidFill>
+          <a:ln/>
+        </p:spPr>
+        <p:style>
+          <a:lnRef idx="0">
+            <a:schemeClr val="accent3"/>
+          </a:lnRef>
+          <a:fillRef idx="3">
+            <a:schemeClr val="accent3"/>
+          </a:fillRef>
+          <a:effectRef idx="3">
+            <a:schemeClr val="accent3"/>
+          </a:effectRef>
+          <a:fontRef idx="minor">
+            <a:schemeClr val="lt1"/>
+          </a:fontRef>
+        </p:style>
+        <p:txBody>
+          <a:bodyPr rtlCol="0" anchor="ctr"/>
+          <a:lstStyle/>
+          <a:p>
+            <a:pPr algn="ctr"/>
+            <a:endParaRPr lang="en-US"/>
+          </a:p>
+        </p:txBody>
+      </p:sp>
+      <p:sp>
+        <p:nvSpPr>
+          <p:cNvPr id="13" name="Rectangle 12">
+            <a:extLst>
+              <a:ext uri="{FF2B5EF4-FFF2-40B4-BE49-F238E27FC236}">
+                <a16:creationId xmlns:a16="http://schemas.microsoft.com/office/drawing/2014/main" id="{E8874752-7DB6-45F7-9269-368977C6910F}"/>
+              </a:ext>
+            </a:extLst>
+          </p:cNvPr>
+          <p:cNvSpPr/>
+          <p:nvPr/>
+        </p:nvSpPr>
+        <p:spPr>
+          <a:xfrm>
+            <a:off x="3307556" y="1215562"/>
+            <a:ext cx="3336132" cy="3167751"/>
+          </a:xfrm>
+          <a:prstGeom prst="rect">
+            <a:avLst/>
+          </a:prstGeom>
+          <a:noFill/>
+          <a:ln>
+            <a:solidFill>
+              <a:schemeClr val="bg2"/>
+            </a:solidFill>
+          </a:ln>
+        </p:spPr>
+        <p:style>
+          <a:lnRef idx="2">
+            <a:schemeClr val="accent1">
+              <a:shade val="50000"/>
+            </a:schemeClr>
+          </a:lnRef>
+          <a:fillRef idx="1">
+            <a:schemeClr val="accent1"/>
+          </a:fillRef>
+          <a:effectRef idx="0">
+            <a:schemeClr val="accent1"/>
+          </a:effectRef>
+          <a:fontRef idx="minor">
+            <a:schemeClr val="lt1"/>
+          </a:fontRef>
+        </p:style>
+        <p:txBody>
+          <a:bodyPr rtlCol="0" anchor="ctr"/>
+          <a:lstStyle/>
+          <a:p>
+            <a:pPr algn="ctr"/>
+            <a:endParaRPr lang="en-US"/>
+          </a:p>
+        </p:txBody>
+      </p:sp>
+      <p:pic>
+        <p:nvPicPr>
+          <p:cNvPr id="2" name="Picture 1">
+            <a:extLst>
+              <a:ext uri="{FF2B5EF4-FFF2-40B4-BE49-F238E27FC236}">
+                <a16:creationId xmlns:a16="http://schemas.microsoft.com/office/drawing/2014/main" id="{4A53E13B-3CDD-4C4D-A615-B9B6E9D09964}"/>
+              </a:ext>
+            </a:extLst>
+          </p:cNvPr>
+          <p:cNvPicPr>
+            <a:picLocks noChangeAspect="1"/>
+          </p:cNvPicPr>
+          <p:nvPr/>
+        </p:nvPicPr>
+        <p:blipFill>
+          <a:blip r:embed="rId4"/>
+          <a:stretch>
+            <a:fillRect/>
+          </a:stretch>
+        </p:blipFill>
+        <p:spPr>
+          <a:xfrm>
+            <a:off x="3390797" y="1697653"/>
+            <a:ext cx="3169649" cy="1399648"/>
+          </a:xfrm>
+          <a:prstGeom prst="rect">
+            <a:avLst/>
+          </a:prstGeom>
+        </p:spPr>
+      </p:pic>
+      <p:pic>
+        <p:nvPicPr>
+          <p:cNvPr id="7" name="Picture 6">
+            <a:extLst>
+              <a:ext uri="{FF2B5EF4-FFF2-40B4-BE49-F238E27FC236}">
+                <a16:creationId xmlns:a16="http://schemas.microsoft.com/office/drawing/2014/main" id="{263D5CDB-1E3E-493F-B6C1-71F5F6B6E50D}"/>
+              </a:ext>
+            </a:extLst>
+          </p:cNvPr>
+          <p:cNvPicPr>
+            <a:picLocks noChangeAspect="1"/>
+          </p:cNvPicPr>
+          <p:nvPr/>
+        </p:nvPicPr>
+        <p:blipFill>
+          <a:blip r:embed="rId5"/>
+          <a:stretch>
+            <a:fillRect/>
+          </a:stretch>
+        </p:blipFill>
+        <p:spPr>
+          <a:xfrm>
+            <a:off x="3596143" y="3181064"/>
+            <a:ext cx="2639889" cy="1157390"/>
+          </a:xfrm>
+          <a:prstGeom prst="rect">
+            <a:avLst/>
+          </a:prstGeom>
+        </p:spPr>
+      </p:pic>
+    </p:spTree>
+    <p:extLst>
+      <p:ext uri="{BB962C8B-B14F-4D97-AF65-F5344CB8AC3E}">
+        <p14:creationId xmlns:p14="http://schemas.microsoft.com/office/powerpoint/2010/main" val="2110647910"/>
+      </p:ext>
+    </p:extLst>
+  </p:cSld>
+  <p:clrMapOvr>
+    <a:masterClrMapping/>
+  </p:clrMapOvr>
+  <mc:AlternateContent xmlns:mc="http://schemas.openxmlformats.org/markup-compatibility/2006">
+    <mc:Choice xmlns:p14="http://schemas.microsoft.com/office/powerpoint/2010/main" Requires="p14">
+      <p:transition p14:dur="100">
+        <p:cut/>
+      </p:transition>
+    </mc:Choice>
+    <mc:Fallback>
+      <p:transition>
+        <p:cut/>
+      </p:transition>
+    </mc:Fallback>
+  </mc:AlternateContent>
+</p:sld>
+</file>
+
+<file path=ppt/slides/slide17.xml><?xml version="1.0" encoding="utf-8"?>
 <p:sld xmlns:a="http://schemas.openxmlformats.org/drawingml/2006/main" xmlns:r="http://schemas.openxmlformats.org/officeDocument/2006/relationships" xmlns:p="http://schemas.openxmlformats.org/presentationml/2006/main" showMasterSp="0">
   <p:cSld>
     <p:bg>
@@ -10687,13 +11483,13 @@
   <p:clrMapOvr>
     <a:masterClrMapping/>
   </p:clrMapOvr>
-  <mc:AlternateContent xmlns:mc="http://schemas.openxmlformats.org/markup-compatibility/2006">
-    <mc:Choice xmlns:p14="http://schemas.microsoft.com/office/powerpoint/2010/main" Requires="p14">
+  <mc:AlternateContent xmlns:mc="http://schemas.openxmlformats.org/markup-compatibility/2006" xmlns:p14="http://schemas.microsoft.com/office/powerpoint/2010/main">
+    <mc:Choice Requires="p14">
       <p:transition spd="med" p14:dur="700">
         <p:fade/>
       </p:transition>
     </mc:Choice>
-    <mc:Fallback>
+    <mc:Fallback xmlns="">
       <p:transition spd="med">
         <p:fade/>
       </p:transition>
@@ -10702,7 +11498,7 @@
 </p:sld>
 </file>
 
-<file path=ppt/slides/slide17.xml><?xml version="1.0" encoding="utf-8"?>
+<file path=ppt/slides/slide18.xml><?xml version="1.0" encoding="utf-8"?>
 <p:sld xmlns:a="http://schemas.openxmlformats.org/drawingml/2006/main" xmlns:r="http://schemas.openxmlformats.org/officeDocument/2006/relationships" xmlns:p="http://schemas.openxmlformats.org/presentationml/2006/main" showMasterSp="0">
   <p:cSld>
     <p:bg>

--- a/SPL-Doc/SPL-1 Mid.pptx
+++ b/SPL-Doc/SPL-1 Mid.pptx
@@ -6741,6 +6741,103 @@
           </a:p>
         </p:txBody>
       </p:sp>
+      <p:sp>
+        <p:nvSpPr>
+          <p:cNvPr id="12" name="Rectangle: Rounded Corners 11">
+            <a:extLst>
+              <a:ext uri="{FF2B5EF4-FFF2-40B4-BE49-F238E27FC236}">
+                <a16:creationId xmlns:a16="http://schemas.microsoft.com/office/drawing/2014/main" id="{1DB6A48C-59F8-4EAB-8F62-4B62306A1879}"/>
+              </a:ext>
+            </a:extLst>
+          </p:cNvPr>
+          <p:cNvSpPr/>
+          <p:nvPr/>
+        </p:nvSpPr>
+        <p:spPr>
+          <a:xfrm>
+            <a:off x="3257550" y="362072"/>
+            <a:ext cx="2628900" cy="597019"/>
+          </a:xfrm>
+          <a:prstGeom prst="roundRect">
+            <a:avLst>
+              <a:gd name="adj" fmla="val 37524"/>
+            </a:avLst>
+          </a:prstGeom>
+          <a:solidFill>
+            <a:schemeClr val="accent3">
+              <a:alpha val="50000"/>
+            </a:schemeClr>
+          </a:solidFill>
+          <a:ln>
+            <a:noFill/>
+          </a:ln>
+        </p:spPr>
+        <p:style>
+          <a:lnRef idx="0">
+            <a:scrgbClr r="0" g="0" b="0"/>
+          </a:lnRef>
+          <a:fillRef idx="0">
+            <a:scrgbClr r="0" g="0" b="0"/>
+          </a:fillRef>
+          <a:effectRef idx="0">
+            <a:scrgbClr r="0" g="0" b="0"/>
+          </a:effectRef>
+          <a:fontRef idx="minor">
+            <a:schemeClr val="lt1"/>
+          </a:fontRef>
+        </p:style>
+        <p:txBody>
+          <a:bodyPr rtlCol="0" anchor="ctr"/>
+          <a:lstStyle/>
+          <a:p>
+            <a:pPr algn="ctr"/>
+            <a:endParaRPr lang="en-US"/>
+          </a:p>
+        </p:txBody>
+      </p:sp>
+      <p:sp>
+        <p:nvSpPr>
+          <p:cNvPr id="13" name="TextBox 12">
+            <a:extLst>
+              <a:ext uri="{FF2B5EF4-FFF2-40B4-BE49-F238E27FC236}">
+                <a16:creationId xmlns:a16="http://schemas.microsoft.com/office/drawing/2014/main" id="{2EF411C9-1D91-4511-8A53-4768BC6EDDC4}"/>
+              </a:ext>
+            </a:extLst>
+          </p:cNvPr>
+          <p:cNvSpPr txBox="1"/>
+          <p:nvPr/>
+        </p:nvSpPr>
+        <p:spPr>
+          <a:xfrm>
+            <a:off x="3342382" y="429748"/>
+            <a:ext cx="2459237" cy="461665"/>
+          </a:xfrm>
+          <a:prstGeom prst="rect">
+            <a:avLst/>
+          </a:prstGeom>
+          <a:noFill/>
+        </p:spPr>
+        <p:txBody>
+          <a:bodyPr wrap="square" rtlCol="0">
+            <a:spAutoFit/>
+          </a:bodyPr>
+          <a:lstStyle/>
+          <a:p>
+            <a:r>
+              <a:rPr lang="en-US" sz="2400" dirty="0">
+                <a:solidFill>
+                  <a:schemeClr val="accent3">
+                    <a:lumMod val="20000"/>
+                    <a:lumOff val="80000"/>
+                  </a:schemeClr>
+                </a:solidFill>
+                <a:latin typeface="Helvetica Neue" panose="020B0604020202020204" charset="0"/>
+              </a:rPr>
+              <a:t>SPL-1 PROJECT</a:t>
+            </a:r>
+          </a:p>
+        </p:txBody>
+      </p:sp>
     </p:spTree>
     <p:extLst>
       <p:ext uri="{BB962C8B-B14F-4D97-AF65-F5344CB8AC3E}">
@@ -8017,13 +8114,13 @@
   <p:clrMapOvr>
     <a:masterClrMapping/>
   </p:clrMapOvr>
-  <mc:AlternateContent xmlns:mc="http://schemas.openxmlformats.org/markup-compatibility/2006">
-    <mc:Choice xmlns:p14="http://schemas.microsoft.com/office/powerpoint/2010/main" Requires="p14">
+  <mc:AlternateContent xmlns:mc="http://schemas.openxmlformats.org/markup-compatibility/2006" xmlns:p14="http://schemas.microsoft.com/office/powerpoint/2010/main">
+    <mc:Choice Requires="p14">
       <p:transition p14:dur="100">
         <p:cut/>
       </p:transition>
     </mc:Choice>
-    <mc:Fallback>
+    <mc:Fallback xmlns="">
       <p:transition>
         <p:cut/>
       </p:transition>
@@ -8643,13 +8740,13 @@
   <p:clrMapOvr>
     <a:masterClrMapping/>
   </p:clrMapOvr>
-  <mc:AlternateContent xmlns:mc="http://schemas.openxmlformats.org/markup-compatibility/2006">
-    <mc:Choice xmlns:p14="http://schemas.microsoft.com/office/powerpoint/2010/main" Requires="p14">
+  <mc:AlternateContent xmlns:mc="http://schemas.openxmlformats.org/markup-compatibility/2006" xmlns:p14="http://schemas.microsoft.com/office/powerpoint/2010/main">
+    <mc:Choice Requires="p14">
       <p:transition p14:dur="100">
         <p:cut/>
       </p:transition>
     </mc:Choice>
-    <mc:Fallback>
+    <mc:Fallback xmlns="">
       <p:transition>
         <p:cut/>
       </p:transition>
@@ -9269,13 +9366,13 @@
   <p:clrMapOvr>
     <a:masterClrMapping/>
   </p:clrMapOvr>
-  <mc:AlternateContent xmlns:mc="http://schemas.openxmlformats.org/markup-compatibility/2006">
-    <mc:Choice xmlns:p14="http://schemas.microsoft.com/office/powerpoint/2010/main" Requires="p14">
+  <mc:AlternateContent xmlns:mc="http://schemas.openxmlformats.org/markup-compatibility/2006" xmlns:p14="http://schemas.microsoft.com/office/powerpoint/2010/main">
+    <mc:Choice Requires="p14">
       <p:transition p14:dur="100">
         <p:cut/>
       </p:transition>
     </mc:Choice>
-    <mc:Fallback>
+    <mc:Fallback xmlns="">
       <p:transition>
         <p:cut/>
       </p:transition>
@@ -9895,13 +9992,13 @@
   <p:clrMapOvr>
     <a:masterClrMapping/>
   </p:clrMapOvr>
-  <mc:AlternateContent xmlns:mc="http://schemas.openxmlformats.org/markup-compatibility/2006">
-    <mc:Choice xmlns:p14="http://schemas.microsoft.com/office/powerpoint/2010/main" Requires="p14">
+  <mc:AlternateContent xmlns:mc="http://schemas.openxmlformats.org/markup-compatibility/2006" xmlns:p14="http://schemas.microsoft.com/office/powerpoint/2010/main">
+    <mc:Choice Requires="p14">
       <p:transition p14:dur="100">
         <p:cut/>
       </p:transition>
     </mc:Choice>
-    <mc:Fallback>
+    <mc:Fallback xmlns="">
       <p:transition>
         <p:cut/>
       </p:transition>
@@ -10551,13 +10648,13 @@
   <p:clrMapOvr>
     <a:masterClrMapping/>
   </p:clrMapOvr>
-  <mc:AlternateContent xmlns:mc="http://schemas.openxmlformats.org/markup-compatibility/2006">
-    <mc:Choice xmlns:p14="http://schemas.microsoft.com/office/powerpoint/2010/main" Requires="p14">
+  <mc:AlternateContent xmlns:mc="http://schemas.openxmlformats.org/markup-compatibility/2006" xmlns:p14="http://schemas.microsoft.com/office/powerpoint/2010/main">
+    <mc:Choice Requires="p14">
       <p:transition p14:dur="100">
         <p:cut/>
       </p:transition>
     </mc:Choice>
-    <mc:Fallback>
+    <mc:Fallback xmlns="">
       <p:transition>
         <p:cut/>
       </p:transition>
@@ -11207,13 +11304,13 @@
   <p:clrMapOvr>
     <a:masterClrMapping/>
   </p:clrMapOvr>
-  <mc:AlternateContent xmlns:mc="http://schemas.openxmlformats.org/markup-compatibility/2006">
-    <mc:Choice xmlns:p14="http://schemas.microsoft.com/office/powerpoint/2010/main" Requires="p14">
+  <mc:AlternateContent xmlns:mc="http://schemas.openxmlformats.org/markup-compatibility/2006" xmlns:p14="http://schemas.microsoft.com/office/powerpoint/2010/main">
+    <mc:Choice Requires="p14">
       <p:transition p14:dur="100">
         <p:cut/>
       </p:transition>
     </mc:Choice>
-    <mc:Fallback>
+    <mc:Fallback xmlns="">
       <p:transition>
         <p:cut/>
       </p:transition>
@@ -11542,7 +11639,7 @@
         </p:nvSpPr>
         <p:spPr>
           <a:xfrm>
-            <a:off x="2304917" y="2017038"/>
+            <a:off x="2304918" y="2017038"/>
             <a:ext cx="4534165" cy="459000"/>
           </a:xfrm>
           <a:prstGeom prst="rect">
@@ -11575,7 +11672,7 @@
                 <a:cs typeface="Tahoma" panose="020B0604030504040204" pitchFamily="34" charset="0"/>
                 <a:sym typeface="Helvetica Neue"/>
               </a:rPr>
-              <a:t>THE END</a:t>
+              <a:t>THANK YOU</a:t>
             </a:r>
             <a:endParaRPr sz="3200" b="1" dirty="0">
               <a:latin typeface="Verdana" panose="020B0604030504040204" pitchFamily="34" charset="0"/>
